--- a/BDA_IFM/HW1.pptx
+++ b/BDA_IFM/HW1.pptx
@@ -162,10 +162,9 @@
           </a:lstStyle>
           <a:p>
             <a:r>
-              <a:rPr lang="zh-TW" altLang="en-US" smtClean="0"/>
+              <a:rPr lang="zh-TW" altLang="en-US"/>
               <a:t>按一下以編輯母片標題樣式</a:t>
             </a:r>
-            <a:endParaRPr lang="zh-TW" altLang="en-US"/>
           </a:p>
         </p:txBody>
       </p:sp>
@@ -227,10 +226,9 @@
           </a:lstStyle>
           <a:p>
             <a:r>
-              <a:rPr lang="zh-TW" altLang="en-US" smtClean="0"/>
+              <a:rPr lang="zh-TW" altLang="en-US"/>
               <a:t>按一下以編輯母片副標題樣式</a:t>
             </a:r>
-            <a:endParaRPr lang="zh-TW" altLang="en-US"/>
           </a:p>
         </p:txBody>
       </p:sp>
@@ -251,7 +249,7 @@
           <a:p>
             <a:fld id="{9553D06D-798D-41B2-8E09-945CDEC492DF}" type="datetimeFigureOut">
               <a:rPr lang="zh-TW" altLang="en-US" smtClean="0"/>
-              <a:t>2023/9/28</a:t>
+              <a:t>2024/9/30</a:t>
             </a:fld>
             <a:endParaRPr lang="zh-TW" altLang="en-US"/>
           </a:p>
@@ -345,10 +343,9 @@
           <a:lstStyle/>
           <a:p>
             <a:r>
-              <a:rPr lang="zh-TW" altLang="en-US" smtClean="0"/>
+              <a:rPr lang="zh-TW" altLang="en-US"/>
               <a:t>按一下以編輯母片標題樣式</a:t>
             </a:r>
-            <a:endParaRPr lang="zh-TW" altLang="en-US"/>
           </a:p>
         </p:txBody>
       </p:sp>
@@ -369,38 +366,37 @@
           <a:p>
             <a:pPr lvl="0"/>
             <a:r>
-              <a:rPr lang="zh-TW" altLang="en-US" smtClean="0"/>
+              <a:rPr lang="zh-TW" altLang="en-US"/>
               <a:t>按一下以編輯母片文字樣式</a:t>
             </a:r>
           </a:p>
           <a:p>
             <a:pPr lvl="1"/>
             <a:r>
-              <a:rPr lang="zh-TW" altLang="en-US" smtClean="0"/>
+              <a:rPr lang="zh-TW" altLang="en-US"/>
               <a:t>第二層</a:t>
             </a:r>
           </a:p>
           <a:p>
             <a:pPr lvl="2"/>
             <a:r>
-              <a:rPr lang="zh-TW" altLang="en-US" smtClean="0"/>
+              <a:rPr lang="zh-TW" altLang="en-US"/>
               <a:t>第三層</a:t>
             </a:r>
           </a:p>
           <a:p>
             <a:pPr lvl="3"/>
             <a:r>
-              <a:rPr lang="zh-TW" altLang="en-US" smtClean="0"/>
+              <a:rPr lang="zh-TW" altLang="en-US"/>
               <a:t>第四層</a:t>
             </a:r>
           </a:p>
           <a:p>
             <a:pPr lvl="4"/>
             <a:r>
-              <a:rPr lang="zh-TW" altLang="en-US" smtClean="0"/>
+              <a:rPr lang="zh-TW" altLang="en-US"/>
               <a:t>第五層</a:t>
             </a:r>
-            <a:endParaRPr lang="zh-TW" altLang="en-US"/>
           </a:p>
         </p:txBody>
       </p:sp>
@@ -421,7 +417,7 @@
           <a:p>
             <a:fld id="{9553D06D-798D-41B2-8E09-945CDEC492DF}" type="datetimeFigureOut">
               <a:rPr lang="zh-TW" altLang="en-US" smtClean="0"/>
-              <a:t>2023/9/28</a:t>
+              <a:t>2024/9/30</a:t>
             </a:fld>
             <a:endParaRPr lang="zh-TW" altLang="en-US"/>
           </a:p>
@@ -520,10 +516,9 @@
           <a:lstStyle/>
           <a:p>
             <a:r>
-              <a:rPr lang="zh-TW" altLang="en-US" smtClean="0"/>
+              <a:rPr lang="zh-TW" altLang="en-US"/>
               <a:t>按一下以編輯母片標題樣式</a:t>
             </a:r>
-            <a:endParaRPr lang="zh-TW" altLang="en-US"/>
           </a:p>
         </p:txBody>
       </p:sp>
@@ -549,38 +544,37 @@
           <a:p>
             <a:pPr lvl="0"/>
             <a:r>
-              <a:rPr lang="zh-TW" altLang="en-US" smtClean="0"/>
+              <a:rPr lang="zh-TW" altLang="en-US"/>
               <a:t>按一下以編輯母片文字樣式</a:t>
             </a:r>
           </a:p>
           <a:p>
             <a:pPr lvl="1"/>
             <a:r>
-              <a:rPr lang="zh-TW" altLang="en-US" smtClean="0"/>
+              <a:rPr lang="zh-TW" altLang="en-US"/>
               <a:t>第二層</a:t>
             </a:r>
           </a:p>
           <a:p>
             <a:pPr lvl="2"/>
             <a:r>
-              <a:rPr lang="zh-TW" altLang="en-US" smtClean="0"/>
+              <a:rPr lang="zh-TW" altLang="en-US"/>
               <a:t>第三層</a:t>
             </a:r>
           </a:p>
           <a:p>
             <a:pPr lvl="3"/>
             <a:r>
-              <a:rPr lang="zh-TW" altLang="en-US" smtClean="0"/>
+              <a:rPr lang="zh-TW" altLang="en-US"/>
               <a:t>第四層</a:t>
             </a:r>
           </a:p>
           <a:p>
             <a:pPr lvl="4"/>
             <a:r>
-              <a:rPr lang="zh-TW" altLang="en-US" smtClean="0"/>
+              <a:rPr lang="zh-TW" altLang="en-US"/>
               <a:t>第五層</a:t>
             </a:r>
-            <a:endParaRPr lang="zh-TW" altLang="en-US"/>
           </a:p>
         </p:txBody>
       </p:sp>
@@ -601,7 +595,7 @@
           <a:p>
             <a:fld id="{9553D06D-798D-41B2-8E09-945CDEC492DF}" type="datetimeFigureOut">
               <a:rPr lang="zh-TW" altLang="en-US" smtClean="0"/>
-              <a:t>2023/9/28</a:t>
+              <a:t>2024/9/30</a:t>
             </a:fld>
             <a:endParaRPr lang="zh-TW" altLang="en-US"/>
           </a:p>
@@ -695,10 +689,9 @@
           <a:lstStyle/>
           <a:p>
             <a:r>
-              <a:rPr lang="zh-TW" altLang="en-US" smtClean="0"/>
+              <a:rPr lang="zh-TW" altLang="en-US"/>
               <a:t>按一下以編輯母片標題樣式</a:t>
             </a:r>
-            <a:endParaRPr lang="zh-TW" altLang="en-US"/>
           </a:p>
         </p:txBody>
       </p:sp>
@@ -719,38 +712,37 @@
           <a:p>
             <a:pPr lvl="0"/>
             <a:r>
-              <a:rPr lang="zh-TW" altLang="en-US" smtClean="0"/>
+              <a:rPr lang="zh-TW" altLang="en-US"/>
               <a:t>按一下以編輯母片文字樣式</a:t>
             </a:r>
           </a:p>
           <a:p>
             <a:pPr lvl="1"/>
             <a:r>
-              <a:rPr lang="zh-TW" altLang="en-US" smtClean="0"/>
+              <a:rPr lang="zh-TW" altLang="en-US"/>
               <a:t>第二層</a:t>
             </a:r>
           </a:p>
           <a:p>
             <a:pPr lvl="2"/>
             <a:r>
-              <a:rPr lang="zh-TW" altLang="en-US" smtClean="0"/>
+              <a:rPr lang="zh-TW" altLang="en-US"/>
               <a:t>第三層</a:t>
             </a:r>
           </a:p>
           <a:p>
             <a:pPr lvl="3"/>
             <a:r>
-              <a:rPr lang="zh-TW" altLang="en-US" smtClean="0"/>
+              <a:rPr lang="zh-TW" altLang="en-US"/>
               <a:t>第四層</a:t>
             </a:r>
           </a:p>
           <a:p>
             <a:pPr lvl="4"/>
             <a:r>
-              <a:rPr lang="zh-TW" altLang="en-US" smtClean="0"/>
+              <a:rPr lang="zh-TW" altLang="en-US"/>
               <a:t>第五層</a:t>
             </a:r>
-            <a:endParaRPr lang="zh-TW" altLang="en-US"/>
           </a:p>
         </p:txBody>
       </p:sp>
@@ -771,7 +763,7 @@
           <a:p>
             <a:fld id="{9553D06D-798D-41B2-8E09-945CDEC492DF}" type="datetimeFigureOut">
               <a:rPr lang="zh-TW" altLang="en-US" smtClean="0"/>
-              <a:t>2023/9/28</a:t>
+              <a:t>2024/9/30</a:t>
             </a:fld>
             <a:endParaRPr lang="zh-TW" altLang="en-US"/>
           </a:p>
@@ -874,10 +866,9 @@
           </a:lstStyle>
           <a:p>
             <a:r>
-              <a:rPr lang="zh-TW" altLang="en-US" smtClean="0"/>
+              <a:rPr lang="zh-TW" altLang="en-US"/>
               <a:t>按一下以編輯母片標題樣式</a:t>
             </a:r>
-            <a:endParaRPr lang="zh-TW" altLang="en-US"/>
           </a:p>
         </p:txBody>
       </p:sp>
@@ -994,7 +985,7 @@
           <a:p>
             <a:pPr lvl="0"/>
             <a:r>
-              <a:rPr lang="zh-TW" altLang="en-US" smtClean="0"/>
+              <a:rPr lang="zh-TW" altLang="en-US"/>
               <a:t>按一下以編輯母片文字樣式</a:t>
             </a:r>
           </a:p>
@@ -1017,7 +1008,7 @@
           <a:p>
             <a:fld id="{9553D06D-798D-41B2-8E09-945CDEC492DF}" type="datetimeFigureOut">
               <a:rPr lang="zh-TW" altLang="en-US" smtClean="0"/>
-              <a:t>2023/9/28</a:t>
+              <a:t>2024/9/30</a:t>
             </a:fld>
             <a:endParaRPr lang="zh-TW" altLang="en-US"/>
           </a:p>
@@ -1111,10 +1102,9 @@
           <a:lstStyle/>
           <a:p>
             <a:r>
-              <a:rPr lang="zh-TW" altLang="en-US" smtClean="0"/>
+              <a:rPr lang="zh-TW" altLang="en-US"/>
               <a:t>按一下以編輯母片標題樣式</a:t>
             </a:r>
-            <a:endParaRPr lang="zh-TW" altLang="en-US"/>
           </a:p>
         </p:txBody>
       </p:sp>
@@ -1140,38 +1130,37 @@
           <a:p>
             <a:pPr lvl="0"/>
             <a:r>
-              <a:rPr lang="zh-TW" altLang="en-US" smtClean="0"/>
+              <a:rPr lang="zh-TW" altLang="en-US"/>
               <a:t>按一下以編輯母片文字樣式</a:t>
             </a:r>
           </a:p>
           <a:p>
             <a:pPr lvl="1"/>
             <a:r>
-              <a:rPr lang="zh-TW" altLang="en-US" smtClean="0"/>
+              <a:rPr lang="zh-TW" altLang="en-US"/>
               <a:t>第二層</a:t>
             </a:r>
           </a:p>
           <a:p>
             <a:pPr lvl="2"/>
             <a:r>
-              <a:rPr lang="zh-TW" altLang="en-US" smtClean="0"/>
+              <a:rPr lang="zh-TW" altLang="en-US"/>
               <a:t>第三層</a:t>
             </a:r>
           </a:p>
           <a:p>
             <a:pPr lvl="3"/>
             <a:r>
-              <a:rPr lang="zh-TW" altLang="en-US" smtClean="0"/>
+              <a:rPr lang="zh-TW" altLang="en-US"/>
               <a:t>第四層</a:t>
             </a:r>
           </a:p>
           <a:p>
             <a:pPr lvl="4"/>
             <a:r>
-              <a:rPr lang="zh-TW" altLang="en-US" smtClean="0"/>
+              <a:rPr lang="zh-TW" altLang="en-US"/>
               <a:t>第五層</a:t>
             </a:r>
-            <a:endParaRPr lang="zh-TW" altLang="en-US"/>
           </a:p>
         </p:txBody>
       </p:sp>
@@ -1197,38 +1186,37 @@
           <a:p>
             <a:pPr lvl="0"/>
             <a:r>
-              <a:rPr lang="zh-TW" altLang="en-US" smtClean="0"/>
+              <a:rPr lang="zh-TW" altLang="en-US"/>
               <a:t>按一下以編輯母片文字樣式</a:t>
             </a:r>
           </a:p>
           <a:p>
             <a:pPr lvl="1"/>
             <a:r>
-              <a:rPr lang="zh-TW" altLang="en-US" smtClean="0"/>
+              <a:rPr lang="zh-TW" altLang="en-US"/>
               <a:t>第二層</a:t>
             </a:r>
           </a:p>
           <a:p>
             <a:pPr lvl="2"/>
             <a:r>
-              <a:rPr lang="zh-TW" altLang="en-US" smtClean="0"/>
+              <a:rPr lang="zh-TW" altLang="en-US"/>
               <a:t>第三層</a:t>
             </a:r>
           </a:p>
           <a:p>
             <a:pPr lvl="3"/>
             <a:r>
-              <a:rPr lang="zh-TW" altLang="en-US" smtClean="0"/>
+              <a:rPr lang="zh-TW" altLang="en-US"/>
               <a:t>第四層</a:t>
             </a:r>
           </a:p>
           <a:p>
             <a:pPr lvl="4"/>
             <a:r>
-              <a:rPr lang="zh-TW" altLang="en-US" smtClean="0"/>
+              <a:rPr lang="zh-TW" altLang="en-US"/>
               <a:t>第五層</a:t>
             </a:r>
-            <a:endParaRPr lang="zh-TW" altLang="en-US"/>
           </a:p>
         </p:txBody>
       </p:sp>
@@ -1249,7 +1237,7 @@
           <a:p>
             <a:fld id="{9553D06D-798D-41B2-8E09-945CDEC492DF}" type="datetimeFigureOut">
               <a:rPr lang="zh-TW" altLang="en-US" smtClean="0"/>
-              <a:t>2023/9/28</a:t>
+              <a:t>2024/9/30</a:t>
             </a:fld>
             <a:endParaRPr lang="zh-TW" altLang="en-US"/>
           </a:p>
@@ -1348,10 +1336,9 @@
           <a:lstStyle/>
           <a:p>
             <a:r>
-              <a:rPr lang="zh-TW" altLang="en-US" smtClean="0"/>
+              <a:rPr lang="zh-TW" altLang="en-US"/>
               <a:t>按一下以編輯母片標題樣式</a:t>
             </a:r>
-            <a:endParaRPr lang="zh-TW" altLang="en-US"/>
           </a:p>
         </p:txBody>
       </p:sp>
@@ -1414,7 +1401,7 @@
           <a:p>
             <a:pPr lvl="0"/>
             <a:r>
-              <a:rPr lang="zh-TW" altLang="en-US" smtClean="0"/>
+              <a:rPr lang="zh-TW" altLang="en-US"/>
               <a:t>按一下以編輯母片文字樣式</a:t>
             </a:r>
           </a:p>
@@ -1442,38 +1429,37 @@
           <a:p>
             <a:pPr lvl="0"/>
             <a:r>
-              <a:rPr lang="zh-TW" altLang="en-US" smtClean="0"/>
+              <a:rPr lang="zh-TW" altLang="en-US"/>
               <a:t>按一下以編輯母片文字樣式</a:t>
             </a:r>
           </a:p>
           <a:p>
             <a:pPr lvl="1"/>
             <a:r>
-              <a:rPr lang="zh-TW" altLang="en-US" smtClean="0"/>
+              <a:rPr lang="zh-TW" altLang="en-US"/>
               <a:t>第二層</a:t>
             </a:r>
           </a:p>
           <a:p>
             <a:pPr lvl="2"/>
             <a:r>
-              <a:rPr lang="zh-TW" altLang="en-US" smtClean="0"/>
+              <a:rPr lang="zh-TW" altLang="en-US"/>
               <a:t>第三層</a:t>
             </a:r>
           </a:p>
           <a:p>
             <a:pPr lvl="3"/>
             <a:r>
-              <a:rPr lang="zh-TW" altLang="en-US" smtClean="0"/>
+              <a:rPr lang="zh-TW" altLang="en-US"/>
               <a:t>第四層</a:t>
             </a:r>
           </a:p>
           <a:p>
             <a:pPr lvl="4"/>
             <a:r>
-              <a:rPr lang="zh-TW" altLang="en-US" smtClean="0"/>
+              <a:rPr lang="zh-TW" altLang="en-US"/>
               <a:t>第五層</a:t>
             </a:r>
-            <a:endParaRPr lang="zh-TW" altLang="en-US"/>
           </a:p>
         </p:txBody>
       </p:sp>
@@ -1536,7 +1522,7 @@
           <a:p>
             <a:pPr lvl="0"/>
             <a:r>
-              <a:rPr lang="zh-TW" altLang="en-US" smtClean="0"/>
+              <a:rPr lang="zh-TW" altLang="en-US"/>
               <a:t>按一下以編輯母片文字樣式</a:t>
             </a:r>
           </a:p>
@@ -1564,38 +1550,37 @@
           <a:p>
             <a:pPr lvl="0"/>
             <a:r>
-              <a:rPr lang="zh-TW" altLang="en-US" smtClean="0"/>
+              <a:rPr lang="zh-TW" altLang="en-US"/>
               <a:t>按一下以編輯母片文字樣式</a:t>
             </a:r>
           </a:p>
           <a:p>
             <a:pPr lvl="1"/>
             <a:r>
-              <a:rPr lang="zh-TW" altLang="en-US" smtClean="0"/>
+              <a:rPr lang="zh-TW" altLang="en-US"/>
               <a:t>第二層</a:t>
             </a:r>
           </a:p>
           <a:p>
             <a:pPr lvl="2"/>
             <a:r>
-              <a:rPr lang="zh-TW" altLang="en-US" smtClean="0"/>
+              <a:rPr lang="zh-TW" altLang="en-US"/>
               <a:t>第三層</a:t>
             </a:r>
           </a:p>
           <a:p>
             <a:pPr lvl="3"/>
             <a:r>
-              <a:rPr lang="zh-TW" altLang="en-US" smtClean="0"/>
+              <a:rPr lang="zh-TW" altLang="en-US"/>
               <a:t>第四層</a:t>
             </a:r>
           </a:p>
           <a:p>
             <a:pPr lvl="4"/>
             <a:r>
-              <a:rPr lang="zh-TW" altLang="en-US" smtClean="0"/>
+              <a:rPr lang="zh-TW" altLang="en-US"/>
               <a:t>第五層</a:t>
             </a:r>
-            <a:endParaRPr lang="zh-TW" altLang="en-US"/>
           </a:p>
         </p:txBody>
       </p:sp>
@@ -1616,7 +1601,7 @@
           <a:p>
             <a:fld id="{9553D06D-798D-41B2-8E09-945CDEC492DF}" type="datetimeFigureOut">
               <a:rPr lang="zh-TW" altLang="en-US" smtClean="0"/>
-              <a:t>2023/9/28</a:t>
+              <a:t>2024/9/30</a:t>
             </a:fld>
             <a:endParaRPr lang="zh-TW" altLang="en-US"/>
           </a:p>
@@ -1710,10 +1695,9 @@
           <a:lstStyle/>
           <a:p>
             <a:r>
-              <a:rPr lang="zh-TW" altLang="en-US" smtClean="0"/>
+              <a:rPr lang="zh-TW" altLang="en-US"/>
               <a:t>按一下以編輯母片標題樣式</a:t>
             </a:r>
-            <a:endParaRPr lang="zh-TW" altLang="en-US"/>
           </a:p>
         </p:txBody>
       </p:sp>
@@ -1734,7 +1718,7 @@
           <a:p>
             <a:fld id="{9553D06D-798D-41B2-8E09-945CDEC492DF}" type="datetimeFigureOut">
               <a:rPr lang="zh-TW" altLang="en-US" smtClean="0"/>
-              <a:t>2023/9/28</a:t>
+              <a:t>2024/9/30</a:t>
             </a:fld>
             <a:endParaRPr lang="zh-TW" altLang="en-US"/>
           </a:p>
@@ -1829,7 +1813,7 @@
           <a:p>
             <a:fld id="{9553D06D-798D-41B2-8E09-945CDEC492DF}" type="datetimeFigureOut">
               <a:rPr lang="zh-TW" altLang="en-US" smtClean="0"/>
-              <a:t>2023/9/28</a:t>
+              <a:t>2024/9/30</a:t>
             </a:fld>
             <a:endParaRPr lang="zh-TW" altLang="en-US"/>
           </a:p>
@@ -1932,10 +1916,9 @@
           </a:lstStyle>
           <a:p>
             <a:r>
-              <a:rPr lang="zh-TW" altLang="en-US" smtClean="0"/>
+              <a:rPr lang="zh-TW" altLang="en-US"/>
               <a:t>按一下以編輯母片標題樣式</a:t>
             </a:r>
-            <a:endParaRPr lang="zh-TW" altLang="en-US"/>
           </a:p>
         </p:txBody>
       </p:sp>
@@ -1989,38 +1972,37 @@
           <a:p>
             <a:pPr lvl="0"/>
             <a:r>
-              <a:rPr lang="zh-TW" altLang="en-US" smtClean="0"/>
+              <a:rPr lang="zh-TW" altLang="en-US"/>
               <a:t>按一下以編輯母片文字樣式</a:t>
             </a:r>
           </a:p>
           <a:p>
             <a:pPr lvl="1"/>
             <a:r>
-              <a:rPr lang="zh-TW" altLang="en-US" smtClean="0"/>
+              <a:rPr lang="zh-TW" altLang="en-US"/>
               <a:t>第二層</a:t>
             </a:r>
           </a:p>
           <a:p>
             <a:pPr lvl="2"/>
             <a:r>
-              <a:rPr lang="zh-TW" altLang="en-US" smtClean="0"/>
+              <a:rPr lang="zh-TW" altLang="en-US"/>
               <a:t>第三層</a:t>
             </a:r>
           </a:p>
           <a:p>
             <a:pPr lvl="3"/>
             <a:r>
-              <a:rPr lang="zh-TW" altLang="en-US" smtClean="0"/>
+              <a:rPr lang="zh-TW" altLang="en-US"/>
               <a:t>第四層</a:t>
             </a:r>
           </a:p>
           <a:p>
             <a:pPr lvl="4"/>
             <a:r>
-              <a:rPr lang="zh-TW" altLang="en-US" smtClean="0"/>
+              <a:rPr lang="zh-TW" altLang="en-US"/>
               <a:t>第五層</a:t>
             </a:r>
-            <a:endParaRPr lang="zh-TW" altLang="en-US"/>
           </a:p>
         </p:txBody>
       </p:sp>
@@ -2083,7 +2065,7 @@
           <a:p>
             <a:pPr lvl="0"/>
             <a:r>
-              <a:rPr lang="zh-TW" altLang="en-US" smtClean="0"/>
+              <a:rPr lang="zh-TW" altLang="en-US"/>
               <a:t>按一下以編輯母片文字樣式</a:t>
             </a:r>
           </a:p>
@@ -2106,7 +2088,7 @@
           <a:p>
             <a:fld id="{9553D06D-798D-41B2-8E09-945CDEC492DF}" type="datetimeFigureOut">
               <a:rPr lang="zh-TW" altLang="en-US" smtClean="0"/>
-              <a:t>2023/9/28</a:t>
+              <a:t>2024/9/30</a:t>
             </a:fld>
             <a:endParaRPr lang="zh-TW" altLang="en-US"/>
           </a:p>
@@ -2209,10 +2191,9 @@
           </a:lstStyle>
           <a:p>
             <a:r>
-              <a:rPr lang="zh-TW" altLang="en-US" smtClean="0"/>
+              <a:rPr lang="zh-TW" altLang="en-US"/>
               <a:t>按一下以編輯母片標題樣式</a:t>
             </a:r>
-            <a:endParaRPr lang="zh-TW" altLang="en-US"/>
           </a:p>
         </p:txBody>
       </p:sp>
@@ -2336,7 +2317,7 @@
           <a:p>
             <a:pPr lvl="0"/>
             <a:r>
-              <a:rPr lang="zh-TW" altLang="en-US" smtClean="0"/>
+              <a:rPr lang="zh-TW" altLang="en-US"/>
               <a:t>按一下以編輯母片文字樣式</a:t>
             </a:r>
           </a:p>
@@ -2359,7 +2340,7 @@
           <a:p>
             <a:fld id="{9553D06D-798D-41B2-8E09-945CDEC492DF}" type="datetimeFigureOut">
               <a:rPr lang="zh-TW" altLang="en-US" smtClean="0"/>
-              <a:t>2023/9/28</a:t>
+              <a:t>2024/9/30</a:t>
             </a:fld>
             <a:endParaRPr lang="zh-TW" altLang="en-US"/>
           </a:p>
@@ -2468,10 +2449,9 @@
           <a:lstStyle/>
           <a:p>
             <a:r>
-              <a:rPr lang="zh-TW" altLang="en-US" smtClean="0"/>
+              <a:rPr lang="zh-TW" altLang="en-US"/>
               <a:t>按一下以編輯母片標題樣式</a:t>
             </a:r>
-            <a:endParaRPr lang="zh-TW" altLang="en-US"/>
           </a:p>
         </p:txBody>
       </p:sp>
@@ -2502,38 +2482,37 @@
           <a:p>
             <a:pPr lvl="0"/>
             <a:r>
-              <a:rPr lang="zh-TW" altLang="en-US" smtClean="0"/>
+              <a:rPr lang="zh-TW" altLang="en-US"/>
               <a:t>按一下以編輯母片文字樣式</a:t>
             </a:r>
           </a:p>
           <a:p>
             <a:pPr lvl="1"/>
             <a:r>
-              <a:rPr lang="zh-TW" altLang="en-US" smtClean="0"/>
+              <a:rPr lang="zh-TW" altLang="en-US"/>
               <a:t>第二層</a:t>
             </a:r>
           </a:p>
           <a:p>
             <a:pPr lvl="2"/>
             <a:r>
-              <a:rPr lang="zh-TW" altLang="en-US" smtClean="0"/>
+              <a:rPr lang="zh-TW" altLang="en-US"/>
               <a:t>第三層</a:t>
             </a:r>
           </a:p>
           <a:p>
             <a:pPr lvl="3"/>
             <a:r>
-              <a:rPr lang="zh-TW" altLang="en-US" smtClean="0"/>
+              <a:rPr lang="zh-TW" altLang="en-US"/>
               <a:t>第四層</a:t>
             </a:r>
           </a:p>
           <a:p>
             <a:pPr lvl="4"/>
             <a:r>
-              <a:rPr lang="zh-TW" altLang="en-US" smtClean="0"/>
+              <a:rPr lang="zh-TW" altLang="en-US"/>
               <a:t>第五層</a:t>
             </a:r>
-            <a:endParaRPr lang="zh-TW" altLang="en-US"/>
           </a:p>
         </p:txBody>
       </p:sp>
@@ -2572,7 +2551,7 @@
           <a:p>
             <a:fld id="{9553D06D-798D-41B2-8E09-945CDEC492DF}" type="datetimeFigureOut">
               <a:rPr lang="zh-TW" altLang="en-US" smtClean="0"/>
-              <a:t>2023/9/28</a:t>
+              <a:t>2024/9/30</a:t>
             </a:fld>
             <a:endParaRPr lang="zh-TW" altLang="en-US"/>
           </a:p>
@@ -2993,16 +2972,8 @@
           <a:lstStyle/>
           <a:p>
             <a:r>
-              <a:rPr lang="en-US" altLang="zh-TW" dirty="0" smtClean="0"/>
-              <a:t>Big Data Analytics (</a:t>
-            </a:r>
-            <a:r>
-              <a:rPr lang="en-US" altLang="zh-TW" dirty="0" smtClean="0"/>
-              <a:t>IMBA): </a:t>
-            </a:r>
-            <a:r>
-              <a:rPr lang="en-US" altLang="zh-TW" dirty="0" smtClean="0"/>
-              <a:t>HW#1</a:t>
+              <a:rPr lang="en-US" altLang="zh-TW" dirty="0"/>
+              <a:t>Big Data Analytics (IFM): HW#1</a:t>
             </a:r>
             <a:endParaRPr lang="zh-TW" altLang="en-US" dirty="0"/>
           </a:p>
@@ -3024,14 +2995,14 @@
           <a:lstStyle/>
           <a:p>
             <a:r>
-              <a:rPr lang="en-US" altLang="zh-TW" dirty="0" smtClean="0"/>
+              <a:rPr lang="en-US" altLang="zh-TW" dirty="0"/>
               <a:t>By J. H. Wang</a:t>
             </a:r>
           </a:p>
           <a:p>
             <a:r>
-              <a:rPr lang="en-US" altLang="zh-TW" dirty="0" smtClean="0"/>
-              <a:t>Sep. 28, 2023</a:t>
+              <a:rPr lang="en-US" altLang="zh-TW" dirty="0"/>
+              <a:t>Sep. 30, 2024</a:t>
             </a:r>
             <a:endParaRPr lang="zh-TW" altLang="en-US" dirty="0"/>
           </a:p>
@@ -3047,13 +3018,6 @@
   <p:clrMapOvr>
     <a:masterClrMapping/>
   </p:clrMapOvr>
-  <p:timing>
-    <p:tnLst>
-      <p:par>
-        <p:cTn id="1" dur="indefinite" restart="never" nodeType="tmRoot"/>
-      </p:par>
-    </p:tnLst>
-  </p:timing>
 </p:sld>
 </file>
 
@@ -3090,7 +3054,7 @@
           <a:lstStyle/>
           <a:p>
             <a:r>
-              <a:rPr lang="en-US" altLang="zh-TW" dirty="0" smtClean="0"/>
+              <a:rPr lang="en-US" altLang="zh-TW" dirty="0"/>
               <a:t>Homework #1</a:t>
             </a:r>
             <a:endParaRPr lang="zh-TW" altLang="en-US" dirty="0"/>
@@ -3113,27 +3077,27 @@
           <a:lstStyle/>
           <a:p>
             <a:r>
-              <a:rPr lang="en-US" altLang="zh-TW" dirty="0" smtClean="0"/>
+              <a:rPr lang="en-US" altLang="zh-TW" dirty="0"/>
               <a:t>Chap.2:</a:t>
             </a:r>
           </a:p>
           <a:p>
             <a:pPr lvl="1"/>
             <a:r>
-              <a:rPr lang="en-US" altLang="zh-TW" dirty="0" smtClean="0"/>
+              <a:rPr lang="en-US" altLang="zh-TW" dirty="0"/>
               <a:t>2.2(a)(e)</a:t>
             </a:r>
           </a:p>
           <a:p>
             <a:pPr lvl="1"/>
             <a:r>
-              <a:rPr lang="en-US" altLang="zh-TW" dirty="0" smtClean="0"/>
+              <a:rPr lang="en-US" altLang="zh-TW" dirty="0"/>
               <a:t>2.6(a)(b)(d)</a:t>
             </a:r>
           </a:p>
           <a:p>
             <a:r>
-              <a:rPr lang="en-US" altLang="zh-TW" dirty="0" smtClean="0"/>
+              <a:rPr lang="en-US" altLang="zh-TW" dirty="0"/>
               <a:t>Chap.3:</a:t>
             </a:r>
           </a:p>
@@ -3147,37 +3111,32 @@
           <a:p>
             <a:pPr lvl="1"/>
             <a:r>
-              <a:rPr lang="en-US" altLang="zh-TW" dirty="0" smtClean="0"/>
+              <a:rPr lang="en-US" altLang="zh-TW" dirty="0"/>
               <a:t>3.5(a)(b)</a:t>
             </a:r>
-            <a:endParaRPr lang="en-US" altLang="zh-TW" dirty="0"/>
           </a:p>
           <a:p>
             <a:pPr lvl="1"/>
             <a:r>
-              <a:rPr lang="en-US" altLang="zh-TW" dirty="0" smtClean="0"/>
+              <a:rPr lang="en-US" altLang="zh-TW" dirty="0"/>
               <a:t>3.9(a)(b)</a:t>
             </a:r>
           </a:p>
           <a:p>
             <a:r>
-              <a:rPr lang="en-US" altLang="zh-TW" dirty="0" smtClean="0"/>
-              <a:t>Due: 2 weeks </a:t>
-            </a:r>
-            <a:r>
-              <a:rPr lang="en-US" altLang="zh-TW" dirty="0" smtClean="0"/>
-              <a:t>(</a:t>
-            </a:r>
-            <a:r>
-              <a:rPr lang="en-US" altLang="zh-TW" dirty="0" smtClean="0">
+              <a:rPr lang="en-US" altLang="zh-TW" dirty="0"/>
+              <a:t>Due: 2 weeks (</a:t>
+            </a:r>
+            <a:r>
+              <a:rPr lang="en-US" altLang="zh-TW" dirty="0">
                 <a:solidFill>
                   <a:srgbClr val="FF0000"/>
                 </a:solidFill>
               </a:rPr>
-              <a:t>Oct. 12, 2023</a:t>
-            </a:r>
-            <a:r>
-              <a:rPr lang="en-US" altLang="zh-TW" dirty="0" smtClean="0"/>
+              <a:t>Oct. 14, 2024</a:t>
+            </a:r>
+            <a:r>
+              <a:rPr lang="en-US" altLang="zh-TW" dirty="0"/>
               <a:t>)</a:t>
             </a:r>
             <a:endParaRPr lang="zh-TW" altLang="en-US" dirty="0"/>
@@ -3194,13 +3153,6 @@
   <p:clrMapOvr>
     <a:masterClrMapping/>
   </p:clrMapOvr>
-  <p:timing>
-    <p:tnLst>
-      <p:par>
-        <p:cTn id="1" dur="indefinite" restart="never" nodeType="tmRoot"/>
-      </p:par>
-    </p:tnLst>
-  </p:timing>
 </p:sld>
 </file>
 
@@ -3237,7 +3189,7 @@
           <a:lstStyle/>
           <a:p>
             <a:r>
-              <a:rPr lang="en-US" altLang="zh-TW" dirty="0" smtClean="0"/>
+              <a:rPr lang="en-US" altLang="zh-TW" dirty="0"/>
               <a:t>Exercises for Chap.2</a:t>
             </a:r>
             <a:endParaRPr lang="zh-TW" altLang="en-US" dirty="0"/>
@@ -3307,19 +3259,15 @@
               <a:t>mode</a:t>
             </a:r>
             <a:r>
-              <a:rPr lang="en-US" altLang="zh-TW" dirty="0" smtClean="0"/>
+              <a:rPr lang="en-US" altLang="zh-TW" dirty="0"/>
               <a:t>?</a:t>
             </a:r>
           </a:p>
           <a:p>
             <a:pPr lvl="1"/>
             <a:r>
-              <a:rPr lang="en-US" altLang="zh-TW" dirty="0" smtClean="0"/>
-              <a:t>(e) Given the five-number summary of the data.</a:t>
-            </a:r>
-            <a:r>
-              <a:rPr lang="en-US" altLang="zh-TW" dirty="0"/>
-              <a:t/>
+              <a:rPr lang="en-US" altLang="zh-TW" dirty="0"/>
+              <a:t>(e) Give the five-number summary of the data.</a:t>
             </a:r>
             <a:br>
               <a:rPr lang="en-US" altLang="zh-TW" dirty="0"/>
@@ -3338,13 +3286,6 @@
   <p:clrMapOvr>
     <a:masterClrMapping/>
   </p:clrMapOvr>
-  <p:timing>
-    <p:tnLst>
-      <p:par>
-        <p:cTn id="1" dur="indefinite" restart="never" nodeType="tmRoot"/>
-      </p:par>
-    </p:tnLst>
-  </p:timing>
 </p:sld>
 </file>
 
@@ -3400,12 +3341,8 @@
           <a:lstStyle/>
           <a:p>
             <a:r>
-              <a:rPr lang="en-US" altLang="zh-TW" dirty="0" smtClean="0"/>
-              <a:t>2.6: </a:t>
-            </a:r>
-            <a:r>
-              <a:rPr lang="en-US" altLang="zh-TW" dirty="0"/>
-              <a:t>Given two objects represented by the tuples (22, 1, 42, 10) and (20, 0, 36, 8):</a:t>
+              <a:rPr lang="en-US" altLang="zh-TW" dirty="0"/>
+              <a:t>2.6: Given two objects represented by the tuples (22, 1, 42, 10) and (20, 0, 36, 8):</a:t>
             </a:r>
           </a:p>
           <a:p>
@@ -3438,12 +3375,8 @@
           </a:p>
           <a:p>
             <a:r>
-              <a:rPr lang="en-US" altLang="zh-TW" dirty="0" smtClean="0"/>
-              <a:t>(</a:t>
-            </a:r>
-            <a:r>
-              <a:rPr lang="en-US" altLang="zh-TW" dirty="0"/>
-              <a:t>d) Compute the </a:t>
+              <a:rPr lang="en-US" altLang="zh-TW" dirty="0"/>
+              <a:t>(d) Compute the </a:t>
             </a:r>
             <a:r>
               <a:rPr lang="en-US" altLang="zh-TW" i="1" dirty="0"/>
@@ -3467,13 +3400,6 @@
   <p:clrMapOvr>
     <a:masterClrMapping/>
   </p:clrMapOvr>
-  <p:timing>
-    <p:tnLst>
-      <p:par>
-        <p:cTn id="1" dur="indefinite" restart="never" nodeType="tmRoot"/>
-      </p:par>
-    </p:tnLst>
-  </p:timing>
 </p:sld>
 </file>
 
@@ -3510,7 +3436,7 @@
           <a:lstStyle/>
           <a:p>
             <a:r>
-              <a:rPr lang="en-US" altLang="zh-TW" dirty="0" smtClean="0"/>
+              <a:rPr lang="en-US" altLang="zh-TW" dirty="0"/>
               <a:t>Exercises for Chap.3</a:t>
             </a:r>
             <a:endParaRPr lang="zh-TW" altLang="en-US" dirty="0"/>
@@ -3562,7 +3488,7 @@
           </a:p>
           <a:p>
             <a:pPr lvl="1"/>
-            <a:endParaRPr lang="en-US" altLang="zh-TW" dirty="0" smtClean="0"/>
+            <a:endParaRPr lang="en-US" altLang="zh-TW" dirty="0"/>
           </a:p>
         </p:txBody>
       </p:sp>
@@ -3576,13 +3502,6 @@
   <p:clrMapOvr>
     <a:masterClrMapping/>
   </p:clrMapOvr>
-  <p:timing>
-    <p:tnLst>
-      <p:par>
-        <p:cTn id="1" dur="indefinite" restart="never" nodeType="tmRoot"/>
-      </p:par>
-    </p:tnLst>
-  </p:timing>
 </p:sld>
 </file>
 
@@ -3734,49 +3653,41 @@
           <a:lstStyle/>
           <a:p>
             <a:r>
-              <a:rPr lang="en-US" altLang="zh-TW" dirty="0" smtClean="0"/>
+              <a:rPr lang="en-US" altLang="zh-TW" dirty="0"/>
               <a:t>3.9: Suppose a group of 12 sales price records has been sorted as follows:</a:t>
             </a:r>
             <a:br>
-              <a:rPr lang="en-US" altLang="zh-TW" dirty="0" smtClean="0"/>
+              <a:rPr lang="en-US" altLang="zh-TW" dirty="0"/>
             </a:br>
-            <a:r>
-              <a:rPr lang="en-US" altLang="zh-TW" dirty="0" smtClean="0"/>
-              <a:t/>
-            </a:r>
             <a:br>
-              <a:rPr lang="en-US" altLang="zh-TW" dirty="0" smtClean="0"/>
+              <a:rPr lang="en-US" altLang="zh-TW" dirty="0"/>
             </a:br>
             <a:r>
-              <a:rPr lang="en-US" altLang="zh-TW" dirty="0" smtClean="0"/>
+              <a:rPr lang="en-US" altLang="zh-TW" dirty="0"/>
               <a:t>5,10,11,13,15,35,50,55,72,92,204,215.</a:t>
             </a:r>
             <a:br>
-              <a:rPr lang="en-US" altLang="zh-TW" dirty="0" smtClean="0"/>
+              <a:rPr lang="en-US" altLang="zh-TW" dirty="0"/>
             </a:br>
-            <a:r>
-              <a:rPr lang="en-US" altLang="zh-TW" dirty="0" smtClean="0"/>
-              <a:t/>
-            </a:r>
             <a:br>
-              <a:rPr lang="en-US" altLang="zh-TW" dirty="0" smtClean="0"/>
+              <a:rPr lang="en-US" altLang="zh-TW" dirty="0"/>
             </a:br>
             <a:r>
-              <a:rPr lang="en-US" altLang="zh-TW" dirty="0" smtClean="0"/>
+              <a:rPr lang="en-US" altLang="zh-TW" dirty="0"/>
               <a:t>Partition them into three bins by each of the following methods:</a:t>
             </a:r>
           </a:p>
           <a:p>
             <a:pPr lvl="1"/>
             <a:r>
-              <a:rPr lang="en-US" altLang="zh-TW" dirty="0" smtClean="0"/>
+              <a:rPr lang="en-US" altLang="zh-TW" dirty="0"/>
               <a:t>(a) equal-frequency (equal-depth) partitioning</a:t>
             </a:r>
           </a:p>
           <a:p>
             <a:pPr lvl="1"/>
             <a:r>
-              <a:rPr lang="en-US" altLang="zh-TW" dirty="0" smtClean="0"/>
+              <a:rPr lang="en-US" altLang="zh-TW" dirty="0"/>
               <a:t>(b) equal-width partitioning</a:t>
             </a:r>
           </a:p>
@@ -3796,13 +3707,6 @@
   <p:clrMapOvr>
     <a:masterClrMapping/>
   </p:clrMapOvr>
-  <p:timing>
-    <p:tnLst>
-      <p:par>
-        <p:cTn id="1" dur="indefinite" restart="never" nodeType="tmRoot"/>
-      </p:par>
-    </p:tnLst>
-  </p:timing>
 </p:sld>
 </file>
 
@@ -3839,7 +3743,7 @@
           <a:lstStyle/>
           <a:p>
             <a:r>
-              <a:rPr lang="en-US" altLang="zh-TW" dirty="0" smtClean="0"/>
+              <a:rPr lang="en-US" altLang="zh-TW" dirty="0"/>
               <a:t>Homework Submission</a:t>
             </a:r>
             <a:endParaRPr lang="zh-TW" altLang="en-US" dirty="0"/>
@@ -3862,15 +3766,56 @@
           <a:lstStyle/>
           <a:p>
             <a:r>
-              <a:rPr lang="en-US" altLang="zh-TW" dirty="0" smtClean="0"/>
-              <a:t>For hand-written exercises, please hand in your homework in class (paper version)</a:t>
+              <a:rPr lang="en-US" altLang="zh-TW" dirty="0"/>
+              <a:t>For hand-written exercises, please write your answers of the homework in a Word file (</a:t>
+            </a:r>
+            <a:r>
+              <a:rPr lang="en-US" altLang="zh-TW" dirty="0">
+                <a:solidFill>
+                  <a:srgbClr val="0000FF"/>
+                </a:solidFill>
+              </a:rPr>
+              <a:t>HW1_StudentID.docx</a:t>
+            </a:r>
+            <a:r>
+              <a:rPr lang="en-US" altLang="zh-TW" dirty="0"/>
+              <a:t>) and submit to </a:t>
+            </a:r>
+            <a:r>
+              <a:rPr lang="en-US" altLang="zh-TW" dirty="0" err="1"/>
+              <a:t>iSchool</a:t>
+            </a:r>
+            <a:r>
+              <a:rPr lang="en-US" altLang="zh-TW" dirty="0"/>
+              <a:t>+</a:t>
             </a:r>
           </a:p>
           <a:p>
             <a:pPr lvl="1"/>
             <a:r>
-              <a:rPr lang="en-US" altLang="zh-TW" dirty="0" smtClean="0"/>
+              <a:rPr lang="en-US" altLang="zh-TW" dirty="0"/>
               <a:t>Remember to write your student ID and name</a:t>
+            </a:r>
+          </a:p>
+          <a:p>
+            <a:pPr lvl="1"/>
+            <a:r>
+              <a:rPr lang="en-US" altLang="zh-TW" dirty="0"/>
+              <a:t>The steps of answering each question has to be included in your file</a:t>
+            </a:r>
+          </a:p>
+          <a:p>
+            <a:pPr lvl="2"/>
+            <a:r>
+              <a:rPr lang="en-US" altLang="zh-TW" dirty="0"/>
+              <a:t>Either typing or photos or scanning of your hand writing</a:t>
+            </a:r>
+          </a:p>
+          <a:p>
+            <a:pPr lvl="1"/>
+            <a:r>
+              <a:rPr lang="en-US" altLang="zh-TW" dirty="0"/>
+              <a:t>You can contact with the TA for an example file for the format</a:t>
             </a:r>
           </a:p>
           <a:p>
@@ -3889,13 +3834,6 @@
   <p:clrMapOvr>
     <a:masterClrMapping/>
   </p:clrMapOvr>
-  <p:timing>
-    <p:tnLst>
-      <p:par>
-        <p:cTn id="1" dur="indefinite" restart="never" nodeType="tmRoot"/>
-      </p:par>
-    </p:tnLst>
-  </p:timing>
 </p:sld>
 </file>
 
@@ -3932,8 +3870,8 @@
           <a:lstStyle/>
           <a:p>
             <a:r>
-              <a:rPr lang="en-US" altLang="zh-TW" dirty="0" smtClean="0"/>
-              <a:t>Thanks for Your Attention!</a:t>
+              <a:rPr lang="en-US" altLang="zh-TW" dirty="0"/>
+              <a:t>Any Questions?</a:t>
             </a:r>
             <a:endParaRPr lang="zh-TW" altLang="en-US" dirty="0"/>
           </a:p>
@@ -3968,13 +3906,6 @@
   <p:clrMapOvr>
     <a:masterClrMapping/>
   </p:clrMapOvr>
-  <p:timing>
-    <p:tnLst>
-      <p:par>
-        <p:cTn id="1" dur="indefinite" restart="never" nodeType="tmRoot"/>
-      </p:par>
-    </p:tnLst>
-  </p:timing>
 </p:sld>
 </file>
 

--- a/BDA_IFM/HW1.pptx
+++ b/BDA_IFM/HW1.pptx
@@ -249,7 +249,7 @@
           <a:p>
             <a:fld id="{9553D06D-798D-41B2-8E09-945CDEC492DF}" type="datetimeFigureOut">
               <a:rPr lang="zh-TW" altLang="en-US" smtClean="0"/>
-              <a:t>2024/9/30</a:t>
+              <a:t>2025/9/12</a:t>
             </a:fld>
             <a:endParaRPr lang="zh-TW" altLang="en-US"/>
           </a:p>
@@ -417,7 +417,7 @@
           <a:p>
             <a:fld id="{9553D06D-798D-41B2-8E09-945CDEC492DF}" type="datetimeFigureOut">
               <a:rPr lang="zh-TW" altLang="en-US" smtClean="0"/>
-              <a:t>2024/9/30</a:t>
+              <a:t>2025/9/12</a:t>
             </a:fld>
             <a:endParaRPr lang="zh-TW" altLang="en-US"/>
           </a:p>
@@ -595,7 +595,7 @@
           <a:p>
             <a:fld id="{9553D06D-798D-41B2-8E09-945CDEC492DF}" type="datetimeFigureOut">
               <a:rPr lang="zh-TW" altLang="en-US" smtClean="0"/>
-              <a:t>2024/9/30</a:t>
+              <a:t>2025/9/12</a:t>
             </a:fld>
             <a:endParaRPr lang="zh-TW" altLang="en-US"/>
           </a:p>
@@ -763,7 +763,7 @@
           <a:p>
             <a:fld id="{9553D06D-798D-41B2-8E09-945CDEC492DF}" type="datetimeFigureOut">
               <a:rPr lang="zh-TW" altLang="en-US" smtClean="0"/>
-              <a:t>2024/9/30</a:t>
+              <a:t>2025/9/12</a:t>
             </a:fld>
             <a:endParaRPr lang="zh-TW" altLang="en-US"/>
           </a:p>
@@ -1008,7 +1008,7 @@
           <a:p>
             <a:fld id="{9553D06D-798D-41B2-8E09-945CDEC492DF}" type="datetimeFigureOut">
               <a:rPr lang="zh-TW" altLang="en-US" smtClean="0"/>
-              <a:t>2024/9/30</a:t>
+              <a:t>2025/9/12</a:t>
             </a:fld>
             <a:endParaRPr lang="zh-TW" altLang="en-US"/>
           </a:p>
@@ -1237,7 +1237,7 @@
           <a:p>
             <a:fld id="{9553D06D-798D-41B2-8E09-945CDEC492DF}" type="datetimeFigureOut">
               <a:rPr lang="zh-TW" altLang="en-US" smtClean="0"/>
-              <a:t>2024/9/30</a:t>
+              <a:t>2025/9/12</a:t>
             </a:fld>
             <a:endParaRPr lang="zh-TW" altLang="en-US"/>
           </a:p>
@@ -1601,7 +1601,7 @@
           <a:p>
             <a:fld id="{9553D06D-798D-41B2-8E09-945CDEC492DF}" type="datetimeFigureOut">
               <a:rPr lang="zh-TW" altLang="en-US" smtClean="0"/>
-              <a:t>2024/9/30</a:t>
+              <a:t>2025/9/12</a:t>
             </a:fld>
             <a:endParaRPr lang="zh-TW" altLang="en-US"/>
           </a:p>
@@ -1718,7 +1718,7 @@
           <a:p>
             <a:fld id="{9553D06D-798D-41B2-8E09-945CDEC492DF}" type="datetimeFigureOut">
               <a:rPr lang="zh-TW" altLang="en-US" smtClean="0"/>
-              <a:t>2024/9/30</a:t>
+              <a:t>2025/9/12</a:t>
             </a:fld>
             <a:endParaRPr lang="zh-TW" altLang="en-US"/>
           </a:p>
@@ -1813,7 +1813,7 @@
           <a:p>
             <a:fld id="{9553D06D-798D-41B2-8E09-945CDEC492DF}" type="datetimeFigureOut">
               <a:rPr lang="zh-TW" altLang="en-US" smtClean="0"/>
-              <a:t>2024/9/30</a:t>
+              <a:t>2025/9/12</a:t>
             </a:fld>
             <a:endParaRPr lang="zh-TW" altLang="en-US"/>
           </a:p>
@@ -2088,7 +2088,7 @@
           <a:p>
             <a:fld id="{9553D06D-798D-41B2-8E09-945CDEC492DF}" type="datetimeFigureOut">
               <a:rPr lang="zh-TW" altLang="en-US" smtClean="0"/>
-              <a:t>2024/9/30</a:t>
+              <a:t>2025/9/12</a:t>
             </a:fld>
             <a:endParaRPr lang="zh-TW" altLang="en-US"/>
           </a:p>
@@ -2340,7 +2340,7 @@
           <a:p>
             <a:fld id="{9553D06D-798D-41B2-8E09-945CDEC492DF}" type="datetimeFigureOut">
               <a:rPr lang="zh-TW" altLang="en-US" smtClean="0"/>
-              <a:t>2024/9/30</a:t>
+              <a:t>2025/9/12</a:t>
             </a:fld>
             <a:endParaRPr lang="zh-TW" altLang="en-US"/>
           </a:p>
@@ -2551,7 +2551,7 @@
           <a:p>
             <a:fld id="{9553D06D-798D-41B2-8E09-945CDEC492DF}" type="datetimeFigureOut">
               <a:rPr lang="zh-TW" altLang="en-US" smtClean="0"/>
-              <a:t>2024/9/30</a:t>
+              <a:t>2025/9/12</a:t>
             </a:fld>
             <a:endParaRPr lang="zh-TW" altLang="en-US"/>
           </a:p>
@@ -3002,7 +3002,7 @@
           <a:p>
             <a:r>
               <a:rPr lang="en-US" altLang="zh-TW" dirty="0"/>
-              <a:t>Sep. 30, 2024</a:t>
+              <a:t>Sep. 16, 2025</a:t>
             </a:r>
             <a:endParaRPr lang="zh-TW" altLang="en-US" dirty="0"/>
           </a:p>
@@ -3085,14 +3085,14 @@
             <a:pPr lvl="1"/>
             <a:r>
               <a:rPr lang="en-US" altLang="zh-TW" dirty="0"/>
-              <a:t>2.2(a)(e)</a:t>
+              <a:t>2.2(a)(b)(e)</a:t>
             </a:r>
           </a:p>
           <a:p>
             <a:pPr lvl="1"/>
             <a:r>
               <a:rPr lang="en-US" altLang="zh-TW" dirty="0"/>
-              <a:t>2.6(a)(b)(d)</a:t>
+              <a:t>2.8(a)(b)</a:t>
             </a:r>
           </a:p>
           <a:p>
@@ -3112,7 +3112,7 @@
             <a:pPr lvl="1"/>
             <a:r>
               <a:rPr lang="en-US" altLang="zh-TW" dirty="0"/>
-              <a:t>3.5(a)(b)</a:t>
+              <a:t>3.6(a)(c)</a:t>
             </a:r>
           </a:p>
           <a:p>
@@ -3133,7 +3133,7 @@
                   <a:srgbClr val="FF0000"/>
                 </a:solidFill>
               </a:rPr>
-              <a:t>Oct. 14, 2024</a:t>
+              <a:t>Sep. 30, 2025</a:t>
             </a:r>
             <a:r>
               <a:rPr lang="en-US" altLang="zh-TW" dirty="0"/>
@@ -3252,22 +3252,37 @@
             </a:r>
             <a:r>
               <a:rPr lang="en-US" altLang="zh-TW" dirty="0"/>
-              <a:t>? What is the </a:t>
+              <a:t>? </a:t>
+            </a:r>
+          </a:p>
+          <a:p>
+            <a:pPr lvl="1"/>
+            <a:r>
+              <a:rPr lang="en-US" altLang="zh-TW" dirty="0"/>
+              <a:t>(b) What is the </a:t>
             </a:r>
             <a:r>
               <a:rPr lang="en-US" altLang="zh-TW" i="1" dirty="0"/>
-              <a:t>mode</a:t>
-            </a:r>
-            <a:r>
-              <a:rPr lang="en-US" altLang="zh-TW" dirty="0"/>
-              <a:t>?</a:t>
+              <a:t>mod</a:t>
+            </a:r>
+            <a:r>
+              <a:rPr lang="en-US" altLang="zh-TW" dirty="0"/>
+              <a:t>e of the data? Comment on the data’s modality (i.e., bimodal, trimodal, etc.).</a:t>
             </a:r>
           </a:p>
           <a:p>
             <a:pPr lvl="1"/>
             <a:r>
               <a:rPr lang="en-US" altLang="zh-TW" dirty="0"/>
-              <a:t>(e) Give the five-number summary of the data.</a:t>
+              <a:t>(e) Give the </a:t>
+            </a:r>
+            <a:r>
+              <a:rPr lang="en-US" altLang="zh-TW" i="1" dirty="0"/>
+              <a:t>five-number summary </a:t>
+            </a:r>
+            <a:r>
+              <a:rPr lang="en-US" altLang="zh-TW" dirty="0"/>
+              <a:t>of the data.</a:t>
             </a:r>
             <a:br>
               <a:rPr lang="en-US" altLang="zh-TW" dirty="0"/>
@@ -3337,56 +3352,33 @@
         </p:nvSpPr>
         <p:spPr/>
         <p:txBody>
-          <a:bodyPr/>
-          <a:lstStyle/>
-          <a:p>
-            <a:r>
-              <a:rPr lang="en-US" altLang="zh-TW" dirty="0"/>
-              <a:t>2.6: Given two objects represented by the tuples (22, 1, 42, 10) and (20, 0, 36, 8):</a:t>
-            </a:r>
-          </a:p>
-          <a:p>
-            <a:r>
-              <a:rPr lang="en-US" altLang="zh-TW" dirty="0"/>
-              <a:t>(a) Compute the </a:t>
-            </a:r>
-            <a:r>
-              <a:rPr lang="en-US" altLang="zh-TW" i="1" dirty="0"/>
-              <a:t>Euclidean distance </a:t>
-            </a:r>
-            <a:r>
-              <a:rPr lang="en-US" altLang="zh-TW" dirty="0"/>
-              <a:t>between the two objects.</a:t>
-            </a:r>
-          </a:p>
-          <a:p>
-            <a:r>
-              <a:rPr lang="en-US" altLang="zh-TW" dirty="0"/>
-              <a:t>(b) Compute the </a:t>
-            </a:r>
-            <a:r>
-              <a:rPr lang="en-US" altLang="zh-TW" i="1" dirty="0"/>
-              <a:t>Manhattan distance </a:t>
-            </a:r>
-            <a:r>
-              <a:rPr lang="en-US" altLang="zh-TW" dirty="0"/>
-              <a:t>between the two objects.</a:t>
-            </a:r>
-          </a:p>
-          <a:p>
-            <a:r>
-              <a:rPr lang="en-US" altLang="zh-TW" dirty="0"/>
-              <a:t>(d) Compute the </a:t>
-            </a:r>
-            <a:r>
-              <a:rPr lang="en-US" altLang="zh-TW" i="1" dirty="0"/>
-              <a:t>supremum distance </a:t>
-            </a:r>
-            <a:r>
-              <a:rPr lang="en-US" altLang="zh-TW" dirty="0"/>
-              <a:t>between the two objects.</a:t>
-            </a:r>
-            <a:endParaRPr lang="zh-TW" altLang="en-US" dirty="0"/>
+          <a:bodyPr>
+            <a:normAutofit fontScale="92500" lnSpcReduction="20000"/>
+          </a:bodyPr>
+          <a:lstStyle/>
+          <a:p>
+            <a:r>
+              <a:rPr lang="en-US" altLang="zh-TW" dirty="0"/>
+              <a:t>2.8: It is important to define or select similarity measures in data analysis. However, there is no commonly accepted subjective similarity measure. Results can vary depending on the similarity measures used. Nonetheless, seemingly different similarity measures may be equivalent after some transformation. </a:t>
+            </a:r>
+          </a:p>
+          <a:p>
+            <a:r>
+              <a:rPr lang="en-US" altLang="zh-TW" dirty="0"/>
+              <a:t>Suppose we have the following 2-D data set: x1=(1.5, 1.7), x2=(2, 1.9), x3=(1.6, 1.8), x4=(1.2, 1.5), x5=(1.5, 1.0). </a:t>
+            </a:r>
+          </a:p>
+          <a:p>
+            <a:r>
+              <a:rPr lang="en-US" altLang="zh-TW" dirty="0"/>
+              <a:t>(a) (a) Consider the data as 2-D data points. Given a new data point, x = (1.4, 1.6) as a query, rank the database points based on similarity with the query using Euclidean distance, Manhattan distance, supremum distance, and cosine similarity.</a:t>
+            </a:r>
+          </a:p>
+          <a:p>
+            <a:r>
+              <a:rPr lang="en-US" altLang="zh-TW" dirty="0"/>
+              <a:t>(b) Normalize the data set to make the norm of each data point equal to 1. Use Euclidean distance on the transformed data to rank the data points.</a:t>
+            </a:r>
           </a:p>
         </p:txBody>
       </p:sp>
@@ -3558,31 +3550,30 @@
           <a:p>
             <a:r>
               <a:rPr lang="en-US" altLang="zh-TW" b="1" dirty="0"/>
-              <a:t>3.5 </a:t>
-            </a:r>
-            <a:r>
-              <a:rPr lang="en-US" altLang="zh-TW" dirty="0"/>
-              <a:t>What are the value ranges of the following </a:t>
-            </a:r>
-            <a:r>
-              <a:rPr lang="en-US" altLang="zh-TW" i="1" dirty="0"/>
-              <a:t>normalization methods</a:t>
-            </a:r>
-            <a:r>
-              <a:rPr lang="en-US" altLang="zh-TW" dirty="0"/>
-              <a:t>?</a:t>
-            </a:r>
-          </a:p>
-          <a:p>
-            <a:r>
-              <a:rPr lang="en-US" altLang="zh-TW" dirty="0"/>
-              <a:t>(a) min-max normalization</a:t>
-            </a:r>
-          </a:p>
-          <a:p>
-            <a:r>
-              <a:rPr lang="en-US" altLang="zh-TW" dirty="0"/>
-              <a:t>(b) z-score normalization</a:t>
+              <a:t>3.6 </a:t>
+            </a:r>
+            <a:r>
+              <a:rPr lang="en-US" altLang="zh-TW" dirty="0"/>
+              <a:t>Use these methods to normalize the following group of data: </a:t>
+            </a:r>
+          </a:p>
+          <a:p>
+            <a:pPr lvl="1"/>
+            <a:r>
+              <a:rPr lang="en-US" altLang="zh-TW" dirty="0"/>
+              <a:t>200, 300, 400, 600, 1000</a:t>
+            </a:r>
+          </a:p>
+          <a:p>
+            <a:r>
+              <a:rPr lang="en-US" altLang="zh-TW" dirty="0"/>
+              <a:t>(a) min-max normalization by setting min = 0 and max = 1</a:t>
+            </a:r>
+          </a:p>
+          <a:p>
+            <a:r>
+              <a:rPr lang="en-US" altLang="zh-TW" dirty="0"/>
+              <a:t>(c) z-score normalization using the mean absolute deviation instead of standard deviation</a:t>
             </a:r>
             <a:endParaRPr lang="zh-TW" altLang="en-US" dirty="0"/>
           </a:p>
@@ -3664,7 +3655,7 @@
             </a:br>
             <a:r>
               <a:rPr lang="en-US" altLang="zh-TW" dirty="0"/>
-              <a:t>5,10,11,13,15,35,50,55,72,92,204,215.</a:t>
+              <a:t>5, 10, 11, 13, 15, 35, 50, 55, 72, 92, 204, 215.</a:t>
             </a:r>
             <a:br>
               <a:rPr lang="en-US" altLang="zh-TW" dirty="0"/>
@@ -3775,7 +3766,23 @@
                   <a:srgbClr val="0000FF"/>
                 </a:solidFill>
               </a:rPr>
-              <a:t>HW1_StudentID.docx</a:t>
+              <a:t>HW1_&lt;</a:t>
+            </a:r>
+            <a:r>
+              <a:rPr lang="en-US" altLang="zh-TW" dirty="0" err="1">
+                <a:solidFill>
+                  <a:srgbClr val="0000FF"/>
+                </a:solidFill>
+              </a:rPr>
+              <a:t>StudentID</a:t>
+            </a:r>
+            <a:r>
+              <a:rPr lang="en-US" altLang="zh-TW" dirty="0">
+                <a:solidFill>
+                  <a:srgbClr val="0000FF"/>
+                </a:solidFill>
+              </a:rPr>
+              <a:t>&gt;.docx</a:t>
             </a:r>
             <a:r>
               <a:rPr lang="en-US" altLang="zh-TW" dirty="0"/>
@@ -3808,7 +3815,7 @@
             <a:pPr lvl="2"/>
             <a:r>
               <a:rPr lang="en-US" altLang="zh-TW" dirty="0"/>
-              <a:t>Either typing or photos or scanning of your hand writing</a:t>
+              <a:t>Either typing or photos/scanning of your hand writing</a:t>
             </a:r>
           </a:p>
           <a:p>

--- a/BDA_IFM/HW1.pptx
+++ b/BDA_IFM/HW1.pptx
@@ -249,7 +249,7 @@
           <a:p>
             <a:fld id="{9553D06D-798D-41B2-8E09-945CDEC492DF}" type="datetimeFigureOut">
               <a:rPr lang="zh-TW" altLang="en-US" smtClean="0"/>
-              <a:t>2025/9/12</a:t>
+              <a:t>2025/9/15</a:t>
             </a:fld>
             <a:endParaRPr lang="zh-TW" altLang="en-US"/>
           </a:p>
@@ -417,7 +417,7 @@
           <a:p>
             <a:fld id="{9553D06D-798D-41B2-8E09-945CDEC492DF}" type="datetimeFigureOut">
               <a:rPr lang="zh-TW" altLang="en-US" smtClean="0"/>
-              <a:t>2025/9/12</a:t>
+              <a:t>2025/9/15</a:t>
             </a:fld>
             <a:endParaRPr lang="zh-TW" altLang="en-US"/>
           </a:p>
@@ -595,7 +595,7 @@
           <a:p>
             <a:fld id="{9553D06D-798D-41B2-8E09-945CDEC492DF}" type="datetimeFigureOut">
               <a:rPr lang="zh-TW" altLang="en-US" smtClean="0"/>
-              <a:t>2025/9/12</a:t>
+              <a:t>2025/9/15</a:t>
             </a:fld>
             <a:endParaRPr lang="zh-TW" altLang="en-US"/>
           </a:p>
@@ -763,7 +763,7 @@
           <a:p>
             <a:fld id="{9553D06D-798D-41B2-8E09-945CDEC492DF}" type="datetimeFigureOut">
               <a:rPr lang="zh-TW" altLang="en-US" smtClean="0"/>
-              <a:t>2025/9/12</a:t>
+              <a:t>2025/9/15</a:t>
             </a:fld>
             <a:endParaRPr lang="zh-TW" altLang="en-US"/>
           </a:p>
@@ -1008,7 +1008,7 @@
           <a:p>
             <a:fld id="{9553D06D-798D-41B2-8E09-945CDEC492DF}" type="datetimeFigureOut">
               <a:rPr lang="zh-TW" altLang="en-US" smtClean="0"/>
-              <a:t>2025/9/12</a:t>
+              <a:t>2025/9/15</a:t>
             </a:fld>
             <a:endParaRPr lang="zh-TW" altLang="en-US"/>
           </a:p>
@@ -1237,7 +1237,7 @@
           <a:p>
             <a:fld id="{9553D06D-798D-41B2-8E09-945CDEC492DF}" type="datetimeFigureOut">
               <a:rPr lang="zh-TW" altLang="en-US" smtClean="0"/>
-              <a:t>2025/9/12</a:t>
+              <a:t>2025/9/15</a:t>
             </a:fld>
             <a:endParaRPr lang="zh-TW" altLang="en-US"/>
           </a:p>
@@ -1601,7 +1601,7 @@
           <a:p>
             <a:fld id="{9553D06D-798D-41B2-8E09-945CDEC492DF}" type="datetimeFigureOut">
               <a:rPr lang="zh-TW" altLang="en-US" smtClean="0"/>
-              <a:t>2025/9/12</a:t>
+              <a:t>2025/9/15</a:t>
             </a:fld>
             <a:endParaRPr lang="zh-TW" altLang="en-US"/>
           </a:p>
@@ -1718,7 +1718,7 @@
           <a:p>
             <a:fld id="{9553D06D-798D-41B2-8E09-945CDEC492DF}" type="datetimeFigureOut">
               <a:rPr lang="zh-TW" altLang="en-US" smtClean="0"/>
-              <a:t>2025/9/12</a:t>
+              <a:t>2025/9/15</a:t>
             </a:fld>
             <a:endParaRPr lang="zh-TW" altLang="en-US"/>
           </a:p>
@@ -1813,7 +1813,7 @@
           <a:p>
             <a:fld id="{9553D06D-798D-41B2-8E09-945CDEC492DF}" type="datetimeFigureOut">
               <a:rPr lang="zh-TW" altLang="en-US" smtClean="0"/>
-              <a:t>2025/9/12</a:t>
+              <a:t>2025/9/15</a:t>
             </a:fld>
             <a:endParaRPr lang="zh-TW" altLang="en-US"/>
           </a:p>
@@ -2088,7 +2088,7 @@
           <a:p>
             <a:fld id="{9553D06D-798D-41B2-8E09-945CDEC492DF}" type="datetimeFigureOut">
               <a:rPr lang="zh-TW" altLang="en-US" smtClean="0"/>
-              <a:t>2025/9/12</a:t>
+              <a:t>2025/9/15</a:t>
             </a:fld>
             <a:endParaRPr lang="zh-TW" altLang="en-US"/>
           </a:p>
@@ -2340,7 +2340,7 @@
           <a:p>
             <a:fld id="{9553D06D-798D-41B2-8E09-945CDEC492DF}" type="datetimeFigureOut">
               <a:rPr lang="zh-TW" altLang="en-US" smtClean="0"/>
-              <a:t>2025/9/12</a:t>
+              <a:t>2025/9/15</a:t>
             </a:fld>
             <a:endParaRPr lang="zh-TW" altLang="en-US"/>
           </a:p>
@@ -2551,7 +2551,7 @@
           <a:p>
             <a:fld id="{9553D06D-798D-41B2-8E09-945CDEC492DF}" type="datetimeFigureOut">
               <a:rPr lang="zh-TW" altLang="en-US" smtClean="0"/>
-              <a:t>2025/9/12</a:t>
+              <a:t>2025/9/15</a:t>
             </a:fld>
             <a:endParaRPr lang="zh-TW" altLang="en-US"/>
           </a:p>
@@ -3002,7 +3002,15 @@
           <a:p>
             <a:r>
               <a:rPr lang="en-US" altLang="zh-TW" dirty="0"/>
-              <a:t>Sep. 16, 2025</a:t>
+              <a:t>Sep. </a:t>
+            </a:r>
+            <a:r>
+              <a:rPr lang="en-US" altLang="zh-TW"/>
+              <a:t>23, </a:t>
+            </a:r>
+            <a:r>
+              <a:rPr lang="en-US" altLang="zh-TW" dirty="0"/>
+              <a:t>2025</a:t>
             </a:r>
             <a:endParaRPr lang="zh-TW" altLang="en-US" dirty="0"/>
           </a:p>
@@ -3133,7 +3141,7 @@
                   <a:srgbClr val="FF0000"/>
                 </a:solidFill>
               </a:rPr>
-              <a:t>Sep. 30, 2025</a:t>
+              <a:t>Oct. 7, 2025</a:t>
             </a:r>
             <a:r>
               <a:rPr lang="en-US" altLang="zh-TW" dirty="0"/>
